--- a/myppt.pptx
+++ b/myppt.pptx
@@ -365,7 +365,7 @@
           <a:p>
             <a:fld id="{6EE7A52F-9D89-7442-A8E9-48D1527B5F6B}" type="datetimeFigureOut">
               <a:rPr lang="en-US" smtClean="0"/>
-              <a:t>2/16/2022</a:t>
+              <a:t>6/2/2022</a:t>
             </a:fld>
             <a:endParaRPr lang="en-US" dirty="0"/>
           </a:p>
@@ -2087,7 +2087,7 @@
             <a:fld id="{6FCA8E82-58CD-E045-8B98-B7A85B79B752}" type="datetime4">
               <a:rPr lang="en-US" smtClean="0"/>
               <a:pPr/>
-              <a:t>February 16, 2022</a:t>
+              <a:t>June 2, 2022</a:t>
             </a:fld>
             <a:endParaRPr lang="en-US" dirty="0">
               <a:latin typeface="+mn-lt"/>
@@ -3217,7 +3217,7 @@
             <a:fld id="{6FCA8E82-58CD-E045-8B98-B7A85B79B752}" type="datetime4">
               <a:rPr lang="en-US" smtClean="0"/>
               <a:pPr/>
-              <a:t>February 16, 2022</a:t>
+              <a:t>June 2, 2022</a:t>
             </a:fld>
             <a:endParaRPr lang="en-US" dirty="0">
               <a:latin typeface="+mn-lt"/>
@@ -4346,7 +4346,7 @@
             <a:fld id="{6FCA8E82-58CD-E045-8B98-B7A85B79B752}" type="datetime4">
               <a:rPr lang="en-US" smtClean="0"/>
               <a:pPr/>
-              <a:t>February 16, 2022</a:t>
+              <a:t>June 2, 2022</a:t>
             </a:fld>
             <a:endParaRPr lang="en-US" dirty="0">
               <a:latin typeface="+mn-lt"/>
@@ -5382,7 +5382,7 @@
                 <a16:creationId xmlns:a16="http://schemas.microsoft.com/office/drawing/2014/main" id="{5984E7FD-271C-4B10-826F-A323C479DDC9}"/>
               </a:ext>
               <a:ext uri="{C183D7F6-B498-43B3-948B-1728B52AA6E4}">
-                <adec:decorative xmlns:adec="http://schemas.microsoft.com/office/drawing/2017/decorative" val="1"/>
+                <adec:decorative xmlns:adec="http://schemas.microsoft.com/office/drawing/2017/decorative" xmlns="" val="1"/>
               </a:ext>
             </a:extLst>
           </p:cNvPr>
@@ -5458,7 +5458,7 @@
                 <a16:creationId xmlns:a16="http://schemas.microsoft.com/office/drawing/2014/main" id="{DAFE17E6-924C-47EE-8164-2CD1687C753A}"/>
               </a:ext>
               <a:ext uri="{C183D7F6-B498-43B3-948B-1728B52AA6E4}">
-                <adec:decorative xmlns:adec="http://schemas.microsoft.com/office/drawing/2017/decorative" val="1"/>
+                <adec:decorative xmlns:adec="http://schemas.microsoft.com/office/drawing/2017/decorative" xmlns="" val="1"/>
               </a:ext>
             </a:extLst>
           </p:cNvPr>
@@ -5522,7 +5522,7 @@
                 <a16:creationId xmlns:a16="http://schemas.microsoft.com/office/drawing/2014/main" id="{76572DC8-7C70-4BE2-9DB2-CFABD37F8F56}"/>
               </a:ext>
               <a:ext uri="{C183D7F6-B498-43B3-948B-1728B52AA6E4}">
-                <adec:decorative xmlns:adec="http://schemas.microsoft.com/office/drawing/2017/decorative" val="1"/>
+                <adec:decorative xmlns:adec="http://schemas.microsoft.com/office/drawing/2017/decorative" xmlns="" val="1"/>
               </a:ext>
             </a:extLst>
           </p:cNvPr>
@@ -5742,7 +5742,7 @@
                 <a16:creationId xmlns:a16="http://schemas.microsoft.com/office/drawing/2014/main" id="{AB8238B2-89F4-4CBF-8949-A4979F889CE8}"/>
               </a:ext>
               <a:ext uri="{C183D7F6-B498-43B3-948B-1728B52AA6E4}">
-                <adec:decorative xmlns:adec="http://schemas.microsoft.com/office/drawing/2017/decorative" val="1"/>
+                <adec:decorative xmlns:adec="http://schemas.microsoft.com/office/drawing/2017/decorative" xmlns="" val="1"/>
               </a:ext>
             </a:extLst>
           </p:cNvPr>
@@ -5925,7 +5925,7 @@
                 <a16:creationId xmlns:a16="http://schemas.microsoft.com/office/drawing/2014/main" id="{AB8238B2-89F4-4CBF-8949-A4979F889CE8}"/>
               </a:ext>
               <a:ext uri="{C183D7F6-B498-43B3-948B-1728B52AA6E4}">
-                <adec:decorative xmlns:adec="http://schemas.microsoft.com/office/drawing/2017/decorative" val="1"/>
+                <adec:decorative xmlns:adec="http://schemas.microsoft.com/office/drawing/2017/decorative" xmlns="" val="1"/>
               </a:ext>
             </a:extLst>
           </p:cNvPr>
@@ -5981,7 +5981,7 @@
                 <a16:creationId xmlns:a16="http://schemas.microsoft.com/office/drawing/2014/main" id="{E48A8E28-7873-4AFA-A619-0E497E0180D0}"/>
               </a:ext>
               <a:ext uri="{C183D7F6-B498-43B3-948B-1728B52AA6E4}">
-                <adec:decorative xmlns:adec="http://schemas.microsoft.com/office/drawing/2017/decorative" val="1"/>
+                <adec:decorative xmlns:adec="http://schemas.microsoft.com/office/drawing/2017/decorative" xmlns="" val="1"/>
               </a:ext>
             </a:extLst>
           </p:cNvPr>
@@ -6137,7 +6137,7 @@
                 <a16:creationId xmlns:a16="http://schemas.microsoft.com/office/drawing/2014/main" id="{5EB0124E-1A8A-4EB1-A9CF-E273590B60B9}"/>
               </a:ext>
               <a:ext uri="{C183D7F6-B498-43B3-948B-1728B52AA6E4}">
-                <adec:decorative xmlns:adec="http://schemas.microsoft.com/office/drawing/2017/decorative" val="1"/>
+                <adec:decorative xmlns:adec="http://schemas.microsoft.com/office/drawing/2017/decorative" xmlns="" val="1"/>
               </a:ext>
             </a:extLst>
           </p:cNvPr>
@@ -6340,7 +6340,7 @@
                 <a16:creationId xmlns:a16="http://schemas.microsoft.com/office/drawing/2014/main" id="{44654EA2-A648-4219-B093-1C05AE964626}"/>
               </a:ext>
               <a:ext uri="{C183D7F6-B498-43B3-948B-1728B52AA6E4}">
-                <adec:decorative xmlns:adec="http://schemas.microsoft.com/office/drawing/2017/decorative" val="1"/>
+                <adec:decorative xmlns:adec="http://schemas.microsoft.com/office/drawing/2017/decorative" xmlns="" val="1"/>
               </a:ext>
             </a:extLst>
           </p:cNvPr>
@@ -6439,7 +6439,7 @@
                 <a16:creationId xmlns:a16="http://schemas.microsoft.com/office/drawing/2014/main" id="{81C0EC89-A66C-4027-8FF0-F7605B506229}"/>
               </a:ext>
               <a:ext uri="{C183D7F6-B498-43B3-948B-1728B52AA6E4}">
-                <adec:decorative xmlns:adec="http://schemas.microsoft.com/office/drawing/2017/decorative" val="1"/>
+                <adec:decorative xmlns:adec="http://schemas.microsoft.com/office/drawing/2017/decorative" xmlns="" val="1"/>
               </a:ext>
             </a:extLst>
           </p:cNvPr>
@@ -7494,7 +7494,7 @@
                 <a16:creationId xmlns:a16="http://schemas.microsoft.com/office/drawing/2014/main" id="{5C05CAAB-DBA2-4548-AD5F-01BB97FBB207}"/>
               </a:ext>
               <a:ext uri="{C183D7F6-B498-43B3-948B-1728B52AA6E4}">
-                <adec:decorative xmlns:adec="http://schemas.microsoft.com/office/drawing/2017/decorative" val="1"/>
+                <adec:decorative xmlns:adec="http://schemas.microsoft.com/office/drawing/2017/decorative" xmlns="" val="1"/>
               </a:ext>
             </a:extLst>
           </p:cNvPr>
@@ -7917,7 +7917,7 @@
                 <a16:creationId xmlns:a16="http://schemas.microsoft.com/office/drawing/2014/main" id="{5C05CAAB-DBA2-4548-AD5F-01BB97FBB207}"/>
               </a:ext>
               <a:ext uri="{C183D7F6-B498-43B3-948B-1728B52AA6E4}">
-                <adec:decorative xmlns:adec="http://schemas.microsoft.com/office/drawing/2017/decorative" val="1"/>
+                <adec:decorative xmlns:adec="http://schemas.microsoft.com/office/drawing/2017/decorative" xmlns="" val="1"/>
               </a:ext>
             </a:extLst>
           </p:cNvPr>
@@ -9497,7 +9497,7 @@
             <a:fld id="{6FCA8E82-58CD-E045-8B98-B7A85B79B752}" type="datetime4">
               <a:rPr lang="en-US" smtClean="0"/>
               <a:pPr/>
-              <a:t>February 16, 2022</a:t>
+              <a:t>June 2, 2022</a:t>
             </a:fld>
             <a:endParaRPr lang="en-US" dirty="0">
               <a:latin typeface="+mn-lt"/>
@@ -9604,7 +9604,7 @@
                 <a16:creationId xmlns:a16="http://schemas.microsoft.com/office/drawing/2014/main" id="{D67D4E1F-D8DD-4ED2-8901-A47E930891B9}"/>
               </a:ext>
               <a:ext uri="{C183D7F6-B498-43B3-948B-1728B52AA6E4}">
-                <adec:decorative xmlns:adec="http://schemas.microsoft.com/office/drawing/2017/decorative" val="1"/>
+                <adec:decorative xmlns:adec="http://schemas.microsoft.com/office/drawing/2017/decorative" xmlns="" val="1"/>
               </a:ext>
             </a:extLst>
           </p:cNvPr>
@@ -9851,7 +9851,7 @@
                 <a16:creationId xmlns:a16="http://schemas.microsoft.com/office/drawing/2014/main" id="{AB8238B2-89F4-4CBF-8949-A4979F889CE8}"/>
               </a:ext>
               <a:ext uri="{C183D7F6-B498-43B3-948B-1728B52AA6E4}">
-                <adec:decorative xmlns:adec="http://schemas.microsoft.com/office/drawing/2017/decorative" val="1"/>
+                <adec:decorative xmlns:adec="http://schemas.microsoft.com/office/drawing/2017/decorative" xmlns="" val="1"/>
               </a:ext>
             </a:extLst>
           </p:cNvPr>
@@ -11258,7 +11258,7 @@
                 <a16:creationId xmlns:a16="http://schemas.microsoft.com/office/drawing/2014/main" id="{160F34ED-DA60-4CC2-B735-B0EC5D9FEA35}"/>
               </a:ext>
               <a:ext uri="{C183D7F6-B498-43B3-948B-1728B52AA6E4}">
-                <adec:decorative xmlns:adec="http://schemas.microsoft.com/office/drawing/2017/decorative" val="1"/>
+                <adec:decorative xmlns:adec="http://schemas.microsoft.com/office/drawing/2017/decorative" xmlns="" val="1"/>
               </a:ext>
             </a:extLst>
           </p:cNvPr>
@@ -11314,7 +11314,7 @@
                 <a16:creationId xmlns:a16="http://schemas.microsoft.com/office/drawing/2014/main" id="{AF89E921-750A-4005-BEC2-04B9514B2D76}"/>
               </a:ext>
               <a:ext uri="{C183D7F6-B498-43B3-948B-1728B52AA6E4}">
-                <adec:decorative xmlns:adec="http://schemas.microsoft.com/office/drawing/2017/decorative" val="1"/>
+                <adec:decorative xmlns:adec="http://schemas.microsoft.com/office/drawing/2017/decorative" xmlns="" val="1"/>
               </a:ext>
             </a:extLst>
           </p:cNvPr>
@@ -11517,7 +11517,7 @@
                 <a16:creationId xmlns:a16="http://schemas.microsoft.com/office/drawing/2014/main" id="{3B378915-E570-47AE-8F85-FB8ED4A6CC72}"/>
               </a:ext>
               <a:ext uri="{C183D7F6-B498-43B3-948B-1728B52AA6E4}">
-                <adec:decorative xmlns:adec="http://schemas.microsoft.com/office/drawing/2017/decorative" val="1"/>
+                <adec:decorative xmlns:adec="http://schemas.microsoft.com/office/drawing/2017/decorative" xmlns="" val="1"/>
               </a:ext>
             </a:extLst>
           </p:cNvPr>
@@ -11664,7 +11664,7 @@
                 <a16:creationId xmlns:a16="http://schemas.microsoft.com/office/drawing/2014/main" id="{3AF1E926-D68F-4DC8-9F6D-C2C1576F92E5}"/>
               </a:ext>
               <a:ext uri="{C183D7F6-B498-43B3-948B-1728B52AA6E4}">
-                <adec:decorative xmlns:adec="http://schemas.microsoft.com/office/drawing/2017/decorative" val="1"/>
+                <adec:decorative xmlns:adec="http://schemas.microsoft.com/office/drawing/2017/decorative" xmlns="" val="1"/>
               </a:ext>
             </a:extLst>
           </p:cNvPr>
@@ -12474,7 +12474,7 @@
                 <a16:creationId xmlns:a16="http://schemas.microsoft.com/office/drawing/2014/main" id="{C425DB15-1B5A-4780-98B4-C0921A42F5E2}"/>
               </a:ext>
               <a:ext uri="{C183D7F6-B498-43B3-948B-1728B52AA6E4}">
-                <adec:decorative xmlns:adec="http://schemas.microsoft.com/office/drawing/2017/decorative" val="1"/>
+                <adec:decorative xmlns:adec="http://schemas.microsoft.com/office/drawing/2017/decorative" xmlns="" val="1"/>
               </a:ext>
             </a:extLst>
           </p:cNvPr>
@@ -12677,7 +12677,7 @@
                 <a16:creationId xmlns:a16="http://schemas.microsoft.com/office/drawing/2014/main" id="{996A2980-FE4D-41BC-9B3F-DEC465C64C2D}"/>
               </a:ext>
               <a:ext uri="{C183D7F6-B498-43B3-948B-1728B52AA6E4}">
-                <adec:decorative xmlns:adec="http://schemas.microsoft.com/office/drawing/2017/decorative" val="1"/>
+                <adec:decorative xmlns:adec="http://schemas.microsoft.com/office/drawing/2017/decorative" xmlns="" val="1"/>
               </a:ext>
             </a:extLst>
           </p:cNvPr>
@@ -12824,7 +12824,7 @@
                 <a16:creationId xmlns:a16="http://schemas.microsoft.com/office/drawing/2014/main" id="{2BBEE260-2DCA-4E68-9719-2D94DA7933BA}"/>
               </a:ext>
               <a:ext uri="{C183D7F6-B498-43B3-948B-1728B52AA6E4}">
-                <adec:decorative xmlns:adec="http://schemas.microsoft.com/office/drawing/2017/decorative" val="1"/>
+                <adec:decorative xmlns:adec="http://schemas.microsoft.com/office/drawing/2017/decorative" xmlns="" val="1"/>
               </a:ext>
             </a:extLst>
           </p:cNvPr>
@@ -12953,7 +12953,7 @@
                 <a16:creationId xmlns:a16="http://schemas.microsoft.com/office/drawing/2014/main" id="{8E95D367-78A2-47F5-B8D8-808AF3A34589}"/>
               </a:ext>
               <a:ext uri="{C183D7F6-B498-43B3-948B-1728B52AA6E4}">
-                <adec:decorative xmlns:adec="http://schemas.microsoft.com/office/drawing/2017/decorative" val="1"/>
+                <adec:decorative xmlns:adec="http://schemas.microsoft.com/office/drawing/2017/decorative" xmlns="" val="1"/>
               </a:ext>
             </a:extLst>
           </p:cNvPr>
@@ -13009,7 +13009,7 @@
                 <a16:creationId xmlns:a16="http://schemas.microsoft.com/office/drawing/2014/main" id="{6109EF88-13AD-41C1-97AF-8C27729818AE}"/>
               </a:ext>
               <a:ext uri="{C183D7F6-B498-43B3-948B-1728B52AA6E4}">
-                <adec:decorative xmlns:adec="http://schemas.microsoft.com/office/drawing/2017/decorative" val="1"/>
+                <adec:decorative xmlns:adec="http://schemas.microsoft.com/office/drawing/2017/decorative" xmlns="" val="1"/>
               </a:ext>
             </a:extLst>
           </p:cNvPr>
@@ -13212,7 +13212,7 @@
                 <a16:creationId xmlns:a16="http://schemas.microsoft.com/office/drawing/2014/main" id="{45E9990E-4826-4D59-9C78-9A4A6CA115C1}"/>
               </a:ext>
               <a:ext uri="{C183D7F6-B498-43B3-948B-1728B52AA6E4}">
-                <adec:decorative xmlns:adec="http://schemas.microsoft.com/office/drawing/2017/decorative" val="1"/>
+                <adec:decorative xmlns:adec="http://schemas.microsoft.com/office/drawing/2017/decorative" xmlns="" val="1"/>
               </a:ext>
             </a:extLst>
           </p:cNvPr>
@@ -13687,7 +13687,7 @@
                 <a16:creationId xmlns:a16="http://schemas.microsoft.com/office/drawing/2014/main" id="{EFD46DF2-E81B-4E77-B06D-F09DC585313D}"/>
               </a:ext>
               <a:ext uri="{C183D7F6-B498-43B3-948B-1728B52AA6E4}">
-                <adec:decorative xmlns:adec="http://schemas.microsoft.com/office/drawing/2017/decorative" val="1"/>
+                <adec:decorative xmlns:adec="http://schemas.microsoft.com/office/drawing/2017/decorative" xmlns="" val="1"/>
               </a:ext>
             </a:extLst>
           </p:cNvPr>
@@ -13890,7 +13890,7 @@
                 <a16:creationId xmlns:a16="http://schemas.microsoft.com/office/drawing/2014/main" id="{D044CC36-2EFF-44B0-90A3-986DACB7E88C}"/>
               </a:ext>
               <a:ext uri="{C183D7F6-B498-43B3-948B-1728B52AA6E4}">
-                <adec:decorative xmlns:adec="http://schemas.microsoft.com/office/drawing/2017/decorative" val="1"/>
+                <adec:decorative xmlns:adec="http://schemas.microsoft.com/office/drawing/2017/decorative" xmlns="" val="1"/>
               </a:ext>
             </a:extLst>
           </p:cNvPr>
@@ -13989,7 +13989,7 @@
                 <a16:creationId xmlns:a16="http://schemas.microsoft.com/office/drawing/2014/main" id="{AAA3D090-A815-4AF9-88CE-94F0B7DD36E3}"/>
               </a:ext>
               <a:ext uri="{C183D7F6-B498-43B3-948B-1728B52AA6E4}">
-                <adec:decorative xmlns:adec="http://schemas.microsoft.com/office/drawing/2017/decorative" val="1"/>
+                <adec:decorative xmlns:adec="http://schemas.microsoft.com/office/drawing/2017/decorative" xmlns="" val="1"/>
               </a:ext>
             </a:extLst>
           </p:cNvPr>
@@ -14595,7 +14595,7 @@
                 <a16:creationId xmlns:a16="http://schemas.microsoft.com/office/drawing/2014/main" id="{A8ABD619-DC62-4FA6-8ABC-122A5C4B422D}"/>
               </a:ext>
               <a:ext uri="{C183D7F6-B498-43B3-948B-1728B52AA6E4}">
-                <adec:decorative xmlns:adec="http://schemas.microsoft.com/office/drawing/2017/decorative" val="1"/>
+                <adec:decorative xmlns:adec="http://schemas.microsoft.com/office/drawing/2017/decorative" xmlns="" val="1"/>
               </a:ext>
             </a:extLst>
           </p:cNvPr>
@@ -15284,7 +15284,7 @@
             <a:fld id="{6FCA8E82-58CD-E045-8B98-B7A85B79B752}" type="datetime4">
               <a:rPr lang="en-US" smtClean="0"/>
               <a:pPr/>
-              <a:t>February 16, 2022</a:t>
+              <a:t>June 2, 2022</a:t>
             </a:fld>
             <a:endParaRPr lang="en-US" dirty="0">
               <a:latin typeface="+mn-lt"/>
@@ -16054,7 +16054,7 @@
             <a:fld id="{6FCA8E82-58CD-E045-8B98-B7A85B79B752}" type="datetime4">
               <a:rPr lang="en-US" smtClean="0"/>
               <a:pPr/>
-              <a:t>February 16, 2022</a:t>
+              <a:t>June 2, 2022</a:t>
             </a:fld>
             <a:endParaRPr lang="en-US" dirty="0">
               <a:latin typeface="+mn-lt"/>
@@ -16318,7 +16318,7 @@
             <a:fld id="{6FCA8E82-58CD-E045-8B98-B7A85B79B752}" type="datetime4">
               <a:rPr lang="en-US" smtClean="0"/>
               <a:pPr/>
-              <a:t>February 16, 2022</a:t>
+              <a:t>June 2, 2022</a:t>
             </a:fld>
             <a:endParaRPr lang="en-US" dirty="0">
               <a:latin typeface="+mn-lt"/>
@@ -19241,7 +19241,7 @@
             <a:fld id="{6FCA8E82-58CD-E045-8B98-B7A85B79B752}" type="datetime4">
               <a:rPr lang="en-US" smtClean="0"/>
               <a:pPr/>
-              <a:t>February 16, 2022</a:t>
+              <a:t>June 2, 2022</a:t>
             </a:fld>
             <a:endParaRPr lang="en-US" dirty="0">
               <a:latin typeface="+mn-lt"/>
@@ -20416,7 +20416,7 @@
             <a:fld id="{6FCA8E82-58CD-E045-8B98-B7A85B79B752}" type="datetime4">
               <a:rPr lang="en-US" smtClean="0"/>
               <a:pPr/>
-              <a:t>February 16, 2022</a:t>
+              <a:t>June 2, 2022</a:t>
             </a:fld>
             <a:endParaRPr lang="en-US" dirty="0">
               <a:latin typeface="+mn-lt"/>
@@ -20732,7 +20732,7 @@
             <a:fld id="{6FCA8E82-58CD-E045-8B98-B7A85B79B752}" type="datetime4">
               <a:rPr lang="en-US" smtClean="0"/>
               <a:pPr/>
-              <a:t>February 16, 2022</a:t>
+              <a:t>June 2, 2022</a:t>
             </a:fld>
             <a:endParaRPr lang="en-US" dirty="0">
               <a:latin typeface="+mn-lt"/>
@@ -21991,6 +21991,10 @@
               <a:rPr lang="en-IN" sz="5400" dirty="0"/>
               <a:t>NUBI – Artificial Intelligence voice Assistant</a:t>
             </a:r>
+            <a:r>
+              <a:rPr lang="en-IN" sz="5400"/>
+              <a:t/>
+            </a:r>
             <a:br>
               <a:rPr lang="en-IN" sz="5400"/>
             </a:br>
@@ -22034,13 +22038,19 @@
               <a:rPr lang="en-US" dirty="0">
                 <a:latin typeface="+mj-lt"/>
               </a:rPr>
-              <a:t>  Joy </a:t>
+              <a:t>  </a:t>
             </a:r>
             <a:r>
-              <a:rPr lang="en-US" dirty="0" err="1">
+              <a:rPr lang="en-US">
                 <a:latin typeface="+mj-lt"/>
               </a:rPr>
-              <a:t>Pinhero</a:t>
+              <a:t>Joy </a:t>
+            </a:r>
+            <a:r>
+              <a:rPr lang="en-US" smtClean="0">
+                <a:latin typeface="+mj-lt"/>
+              </a:rPr>
+              <a:t>Pinhero007</a:t>
             </a:r>
             <a:endParaRPr lang="en-US" dirty="0"/>
           </a:p>
@@ -22218,7 +22228,7 @@
             <a:fld id="{6FCA8E82-58CD-E045-8B98-B7A85B79B752}" type="datetime4">
               <a:rPr lang="en-US" smtClean="0"/>
               <a:pPr/>
-              <a:t>February 16, 2022</a:t>
+              <a:t>June 2, 2022</a:t>
             </a:fld>
             <a:endParaRPr lang="en-US" dirty="0"/>
           </a:p>
@@ -22444,7 +22454,7 @@
             <a:fld id="{6FCA8E82-58CD-E045-8B98-B7A85B79B752}" type="datetime4">
               <a:rPr lang="en-US" smtClean="0"/>
               <a:pPr/>
-              <a:t>February 16, 2022</a:t>
+              <a:t>June 2, 2022</a:t>
             </a:fld>
             <a:endParaRPr lang="en-US" dirty="0"/>
           </a:p>
@@ -22908,7 +22918,7 @@
             <a:fld id="{6FCA8E82-58CD-E045-8B98-B7A85B79B752}" type="datetime4">
               <a:rPr lang="en-US" smtClean="0"/>
               <a:pPr/>
-              <a:t>February 16, 2022</a:t>
+              <a:t>June 2, 2022</a:t>
             </a:fld>
             <a:endParaRPr lang="en-US" dirty="0">
               <a:latin typeface="+mn-lt"/>
@@ -23404,7 +23414,7 @@
             <a:fld id="{6FCA8E82-58CD-E045-8B98-B7A85B79B752}" type="datetime4">
               <a:rPr lang="en-US" smtClean="0"/>
               <a:pPr/>
-              <a:t>February 16, 2022</a:t>
+              <a:t>June 2, 2022</a:t>
             </a:fld>
             <a:endParaRPr lang="en-US" dirty="0">
               <a:latin typeface="+mn-lt"/>
@@ -23857,7 +23867,7 @@
             <a:fld id="{6FCA8E82-58CD-E045-8B98-B7A85B79B752}" type="datetime4">
               <a:rPr lang="en-US" smtClean="0"/>
               <a:pPr/>
-              <a:t>February 16, 2022</a:t>
+              <a:t>June 2, 2022</a:t>
             </a:fld>
             <a:endParaRPr lang="en-US" dirty="0">
               <a:latin typeface="+mn-lt"/>
@@ -24512,7 +24522,7 @@
                 <a:tabLst/>
                 <a:defRPr/>
               </a:pPr>
-              <a:t>February 16, 2022</a:t>
+              <a:t>June 2, 2022</a:t>
             </a:fld>
             <a:endParaRPr kumimoji="0" lang="en-US" sz="1100" b="0" i="0" u="none" strike="noStrike" kern="1200" cap="none" spc="0" normalizeH="0" baseline="0" noProof="0" dirty="0">
               <a:ln>
@@ -25150,7 +25160,7 @@
             <a:fld id="{6FCA8E82-58CD-E045-8B98-B7A85B79B752}" type="datetime4">
               <a:rPr lang="en-US" smtClean="0"/>
               <a:pPr/>
-              <a:t>February 16, 2022</a:t>
+              <a:t>June 2, 2022</a:t>
             </a:fld>
             <a:endParaRPr lang="en-US" dirty="0">
               <a:latin typeface="+mn-lt"/>
@@ -26458,15 +26468,6 @@
 </file>
 
 <file path=customXml/item2.xml><?xml version="1.0" encoding="utf-8"?>
-<p:properties xmlns:p="http://schemas.microsoft.com/office/2006/metadata/properties" xmlns:xsi="http://www.w3.org/2001/XMLSchema-instance" xmlns:pc="http://schemas.microsoft.com/office/infopath/2007/PartnerControls">
-  <documentManagement>
-    <Status xmlns="71af3243-3dd4-4a8d-8c0d-dd76da1f02a5">Not started</Status>
-    <MediaServiceKeyPoints xmlns="71af3243-3dd4-4a8d-8c0d-dd76da1f02a5" xsi:nil="true"/>
-  </documentManagement>
-</p:properties>
-</file>
-
-<file path=customXml/item3.xml><?xml version="1.0" encoding="utf-8"?>
 <ct:contentTypeSchema xmlns:ct="http://schemas.microsoft.com/office/2006/metadata/contentType" xmlns:ma="http://schemas.microsoft.com/office/2006/metadata/properties/metaAttributes" ct:_="" ma:_="" ma:contentTypeName="Document" ma:contentTypeID="0x01010079F111ED35F8CC479449609E8A0923A6" ma:contentTypeVersion="12" ma:contentTypeDescription="Create a new document." ma:contentTypeScope="" ma:versionID="426e97fa315356fffbdcd9876fe988c2">
   <xsd:schema xmlns:xsd="http://www.w3.org/2001/XMLSchema" xmlns:xs="http://www.w3.org/2001/XMLSchema" xmlns:p="http://schemas.microsoft.com/office/2006/metadata/properties" xmlns:ns2="71af3243-3dd4-4a8d-8c0d-dd76da1f02a5" xmlns:ns3="16c05727-aa75-4e4a-9b5f-8a80a1165891" targetNamespace="http://schemas.microsoft.com/office/2006/metadata/properties" ma:root="true" ma:fieldsID="14b8f0def80e6d70ce3def20c90759ae" ns2:_="" ns3:_="">
     <xsd:import namespace="71af3243-3dd4-4a8d-8c0d-dd76da1f02a5"/>
@@ -26687,6 +26688,15 @@
 </ct:contentTypeSchema>
 </file>
 
+<file path=customXml/item3.xml><?xml version="1.0" encoding="utf-8"?>
+<p:properties xmlns:p="http://schemas.microsoft.com/office/2006/metadata/properties" xmlns:xsi="http://www.w3.org/2001/XMLSchema-instance" xmlns:pc="http://schemas.microsoft.com/office/infopath/2007/PartnerControls">
+  <documentManagement>
+    <Status xmlns="71af3243-3dd4-4a8d-8c0d-dd76da1f02a5">Not started</Status>
+    <MediaServiceKeyPoints xmlns="71af3243-3dd4-4a8d-8c0d-dd76da1f02a5" xsi:nil="true"/>
+  </documentManagement>
+</p:properties>
+</file>
+
 <file path=customXml/itemProps1.xml><?xml version="1.0" encoding="utf-8"?>
 <ds:datastoreItem xmlns:ds="http://schemas.openxmlformats.org/officeDocument/2006/customXml" ds:itemID="{1D20B6E4-879E-4E6C-BDE7-261540CD3765}">
   <ds:schemaRefs>
@@ -26696,16 +26706,6 @@
 </file>
 
 <file path=customXml/itemProps2.xml><?xml version="1.0" encoding="utf-8"?>
-<ds:datastoreItem xmlns:ds="http://schemas.openxmlformats.org/officeDocument/2006/customXml" ds:itemID="{09EC1AB0-9704-404D-B6D3-819D938AC55B}">
-  <ds:schemaRefs>
-    <ds:schemaRef ds:uri="http://schemas.microsoft.com/office/2006/metadata/properties"/>
-    <ds:schemaRef ds:uri="http://schemas.microsoft.com/office/infopath/2007/PartnerControls"/>
-    <ds:schemaRef ds:uri="71af3243-3dd4-4a8d-8c0d-dd76da1f02a5"/>
-  </ds:schemaRefs>
-</ds:datastoreItem>
-</file>
-
-<file path=customXml/itemProps3.xml><?xml version="1.0" encoding="utf-8"?>
 <ds:datastoreItem xmlns:ds="http://schemas.openxmlformats.org/officeDocument/2006/customXml" ds:itemID="{94F21D10-BD83-491A-AAA6-945C2DB1EB01}">
   <ds:schemaRefs>
     <ds:schemaRef ds:uri="http://schemas.microsoft.com/office/2006/metadata/contentType"/>
@@ -26722,4 +26722,14 @@
     <ds:schemaRef ds:uri="http://schemas.microsoft.com/internal/obd"/>
   </ds:schemaRefs>
 </ds:datastoreItem>
+</file>
+
+<file path=customXml/itemProps3.xml><?xml version="1.0" encoding="utf-8"?>
+<ds:datastoreItem xmlns:ds="http://schemas.openxmlformats.org/officeDocument/2006/customXml" ds:itemID="{09EC1AB0-9704-404D-B6D3-819D938AC55B}">
+  <ds:schemaRefs>
+    <ds:schemaRef ds:uri="http://schemas.microsoft.com/office/2006/metadata/properties"/>
+    <ds:schemaRef ds:uri="http://schemas.microsoft.com/office/infopath/2007/PartnerControls"/>
+    <ds:schemaRef ds:uri="71af3243-3dd4-4a8d-8c0d-dd76da1f02a5"/>
+  </ds:schemaRefs>
+</ds:datastoreItem>
 </file>